--- a/presentation.pptx
+++ b/presentation.pptx
@@ -5,7 +5,7 @@
     <p:sldMasterId id="2147483961" r:id="rId1"/>
   </p:sldMasterIdLst>
   <p:notesMasterIdLst>
-    <p:notesMasterId r:id="rId11"/>
+    <p:notesMasterId r:id="rId12"/>
   </p:notesMasterIdLst>
   <p:sldIdLst>
     <p:sldId id="257" r:id="rId2"/>
@@ -15,8 +15,9 @@
     <p:sldId id="2012" r:id="rId6"/>
     <p:sldId id="2010" r:id="rId7"/>
     <p:sldId id="2011" r:id="rId8"/>
-    <p:sldId id="2027" r:id="rId9"/>
-    <p:sldId id="2028" r:id="rId10"/>
+    <p:sldId id="2029" r:id="rId9"/>
+    <p:sldId id="2027" r:id="rId10"/>
+    <p:sldId id="2028" r:id="rId11"/>
   </p:sldIdLst>
   <p:sldSz cx="9144000" cy="5143500" type="screen16x9"/>
   <p:notesSz cx="6858000" cy="9144000"/>
@@ -22417,6 +22418,89 @@
 </p:sld>
 </file>
 
+<file path=ppt/slides/slide10.xml><?xml version="1.0" encoding="utf-8"?>
+<p:sld xmlns:a="http://schemas.openxmlformats.org/drawingml/2006/main" xmlns:r="http://schemas.openxmlformats.org/officeDocument/2006/relationships" xmlns:p="http://schemas.openxmlformats.org/presentationml/2006/main">
+  <p:cSld>
+    <p:spTree>
+      <p:nvGrpSpPr>
+        <p:cNvPr id="1" name=""/>
+        <p:cNvGrpSpPr/>
+        <p:nvPr/>
+      </p:nvGrpSpPr>
+      <p:grpSpPr>
+        <a:xfrm>
+          <a:off x="0" y="0"/>
+          <a:ext cx="0" cy="0"/>
+          <a:chOff x="0" y="0"/>
+          <a:chExt cx="0" cy="0"/>
+        </a:xfrm>
+      </p:grpSpPr>
+      <p:sp>
+        <p:nvSpPr>
+          <p:cNvPr id="18" name="TextBox 17"/>
+          <p:cNvSpPr txBox="1"/>
+          <p:nvPr/>
+        </p:nvSpPr>
+        <p:spPr>
+          <a:xfrm>
+            <a:off x="-994517" y="2196158"/>
+            <a:ext cx="11190602" cy="830997"/>
+          </a:xfrm>
+          <a:prstGeom prst="rect">
+            <a:avLst/>
+          </a:prstGeom>
+          <a:noFill/>
+        </p:spPr>
+        <p:txBody>
+          <a:bodyPr wrap="square" rtlCol="0">
+            <a:spAutoFit/>
+          </a:bodyPr>
+          <a:lstStyle/>
+          <a:p>
+            <a:pPr algn="ctr"/>
+            <a:r>
+              <a:rPr lang="ru-RU" sz="4800" b="1" spc="113" dirty="0" smtClean="0">
+                <a:solidFill>
+                  <a:schemeClr val="tx2"/>
+                </a:solidFill>
+                <a:latin typeface="Montserrat Bold"/>
+                <a:ea typeface="Nunito Bold" charset="0"/>
+                <a:cs typeface="Nunito Bold" charset="0"/>
+              </a:rPr>
+              <a:t>Спасибо за внимание!</a:t>
+            </a:r>
+            <a:endParaRPr lang="en-US" sz="4800" b="1" spc="113" dirty="0">
+              <a:solidFill>
+                <a:schemeClr val="tx2"/>
+              </a:solidFill>
+              <a:latin typeface="Montserrat Bold"/>
+              <a:ea typeface="Nunito Bold" charset="0"/>
+              <a:cs typeface="Nunito Bold" charset="0"/>
+            </a:endParaRPr>
+          </a:p>
+        </p:txBody>
+      </p:sp>
+    </p:spTree>
+    <p:extLst>
+      <p:ext uri="{BB962C8B-B14F-4D97-AF65-F5344CB8AC3E}">
+        <p14:creationId xmlns:p14="http://schemas.microsoft.com/office/powerpoint/2010/main" val="510814927"/>
+      </p:ext>
+    </p:extLst>
+  </p:cSld>
+  <p:clrMapOvr>
+    <a:masterClrMapping/>
+  </p:clrMapOvr>
+  <p:transition advClick="0"/>
+  <p:timing>
+    <p:tnLst>
+      <p:par>
+        <p:cTn id="1" dur="indefinite" restart="never" nodeType="tmRoot"/>
+      </p:par>
+    </p:tnLst>
+  </p:timing>
+</p:sld>
+</file>
+
 <file path=ppt/slides/slide2.xml><?xml version="1.0" encoding="utf-8"?>
 <p:sld xmlns:a="http://schemas.openxmlformats.org/drawingml/2006/main" xmlns:r="http://schemas.openxmlformats.org/officeDocument/2006/relationships" xmlns:p="http://schemas.openxmlformats.org/presentationml/2006/main">
   <p:cSld>
@@ -47284,6 +47368,74 @@
 </file>
 
 <file path=ppt/slides/slide8.xml><?xml version="1.0" encoding="utf-8"?>
+<p:sld xmlns:a="http://schemas.openxmlformats.org/drawingml/2006/main" xmlns:r="http://schemas.openxmlformats.org/officeDocument/2006/relationships" xmlns:p="http://schemas.openxmlformats.org/presentationml/2006/main">
+  <p:cSld>
+    <p:spTree>
+      <p:nvGrpSpPr>
+        <p:cNvPr id="1" name=""/>
+        <p:cNvGrpSpPr/>
+        <p:nvPr/>
+      </p:nvGrpSpPr>
+      <p:grpSpPr>
+        <a:xfrm>
+          <a:off x="0" y="0"/>
+          <a:ext cx="0" cy="0"/>
+          <a:chOff x="0" y="0"/>
+          <a:chExt cx="0" cy="0"/>
+        </a:xfrm>
+      </p:grpSpPr>
+      <p:pic>
+        <p:nvPicPr>
+          <p:cNvPr id="2" name="Рисунок 1"/>
+          <p:cNvPicPr>
+            <a:picLocks noChangeAspect="1"/>
+          </p:cNvPicPr>
+          <p:nvPr/>
+        </p:nvPicPr>
+        <p:blipFill>
+          <a:blip r:embed="rId2">
+            <a:extLst>
+              <a:ext uri="{28A0092B-C50C-407E-A947-70E740481C1C}">
+                <a14:useLocalDpi xmlns:a14="http://schemas.microsoft.com/office/drawing/2010/main" val="0"/>
+              </a:ext>
+            </a:extLst>
+          </a:blip>
+          <a:stretch>
+            <a:fillRect/>
+          </a:stretch>
+        </p:blipFill>
+        <p:spPr>
+          <a:xfrm>
+            <a:off x="1274884" y="0"/>
+            <a:ext cx="7200900" cy="5143500"/>
+          </a:xfrm>
+          <a:prstGeom prst="rect">
+            <a:avLst/>
+          </a:prstGeom>
+        </p:spPr>
+      </p:pic>
+    </p:spTree>
+    <p:extLst>
+      <p:ext uri="{BB962C8B-B14F-4D97-AF65-F5344CB8AC3E}">
+        <p14:creationId xmlns:p14="http://schemas.microsoft.com/office/powerpoint/2010/main" val="2792158838"/>
+      </p:ext>
+    </p:extLst>
+  </p:cSld>
+  <p:clrMapOvr>
+    <a:masterClrMapping/>
+  </p:clrMapOvr>
+  <p:transition advClick="0"/>
+  <p:timing>
+    <p:tnLst>
+      <p:par>
+        <p:cTn id="1" dur="indefinite" restart="never" nodeType="tmRoot"/>
+      </p:par>
+    </p:tnLst>
+  </p:timing>
+</p:sld>
+</file>
+
+<file path=ppt/slides/slide9.xml><?xml version="1.0" encoding="utf-8"?>
 <p:sld xmlns:a="http://schemas.openxmlformats.org/drawingml/2006/main" xmlns:r="http://schemas.openxmlformats.org/officeDocument/2006/relationships" xmlns:p="http://schemas.openxmlformats.org/presentationml/2006/main">
   <p:cSld>
     <p:spTree>
@@ -52983,89 +53135,6 @@
 </p:sld>
 </file>
 
-<file path=ppt/slides/slide9.xml><?xml version="1.0" encoding="utf-8"?>
-<p:sld xmlns:a="http://schemas.openxmlformats.org/drawingml/2006/main" xmlns:r="http://schemas.openxmlformats.org/officeDocument/2006/relationships" xmlns:p="http://schemas.openxmlformats.org/presentationml/2006/main">
-  <p:cSld>
-    <p:spTree>
-      <p:nvGrpSpPr>
-        <p:cNvPr id="1" name=""/>
-        <p:cNvGrpSpPr/>
-        <p:nvPr/>
-      </p:nvGrpSpPr>
-      <p:grpSpPr>
-        <a:xfrm>
-          <a:off x="0" y="0"/>
-          <a:ext cx="0" cy="0"/>
-          <a:chOff x="0" y="0"/>
-          <a:chExt cx="0" cy="0"/>
-        </a:xfrm>
-      </p:grpSpPr>
-      <p:sp>
-        <p:nvSpPr>
-          <p:cNvPr id="18" name="TextBox 17"/>
-          <p:cNvSpPr txBox="1"/>
-          <p:nvPr/>
-        </p:nvSpPr>
-        <p:spPr>
-          <a:xfrm>
-            <a:off x="-994517" y="2196158"/>
-            <a:ext cx="11190602" cy="830997"/>
-          </a:xfrm>
-          <a:prstGeom prst="rect">
-            <a:avLst/>
-          </a:prstGeom>
-          <a:noFill/>
-        </p:spPr>
-        <p:txBody>
-          <a:bodyPr wrap="square" rtlCol="0">
-            <a:spAutoFit/>
-          </a:bodyPr>
-          <a:lstStyle/>
-          <a:p>
-            <a:pPr algn="ctr"/>
-            <a:r>
-              <a:rPr lang="ru-RU" sz="4800" b="1" spc="113" dirty="0" smtClean="0">
-                <a:solidFill>
-                  <a:schemeClr val="tx2"/>
-                </a:solidFill>
-                <a:latin typeface="Montserrat Bold"/>
-                <a:ea typeface="Nunito Bold" charset="0"/>
-                <a:cs typeface="Nunito Bold" charset="0"/>
-              </a:rPr>
-              <a:t>Спасибо за внимание!</a:t>
-            </a:r>
-            <a:endParaRPr lang="en-US" sz="4800" b="1" spc="113" dirty="0">
-              <a:solidFill>
-                <a:schemeClr val="tx2"/>
-              </a:solidFill>
-              <a:latin typeface="Montserrat Bold"/>
-              <a:ea typeface="Nunito Bold" charset="0"/>
-              <a:cs typeface="Nunito Bold" charset="0"/>
-            </a:endParaRPr>
-          </a:p>
-        </p:txBody>
-      </p:sp>
-    </p:spTree>
-    <p:extLst>
-      <p:ext uri="{BB962C8B-B14F-4D97-AF65-F5344CB8AC3E}">
-        <p14:creationId xmlns:p14="http://schemas.microsoft.com/office/powerpoint/2010/main" val="510814927"/>
-      </p:ext>
-    </p:extLst>
-  </p:cSld>
-  <p:clrMapOvr>
-    <a:masterClrMapping/>
-  </p:clrMapOvr>
-  <p:transition advClick="0"/>
-  <p:timing>
-    <p:tnLst>
-      <p:par>
-        <p:cTn id="1" dur="indefinite" restart="never" nodeType="tmRoot"/>
-      </p:par>
-    </p:tnLst>
-  </p:timing>
-</p:sld>
-</file>
-
 <file path=ppt/theme/theme1.xml><?xml version="1.0" encoding="utf-8"?>
 <a:theme xmlns:a="http://schemas.openxmlformats.org/drawingml/2006/main" name="Default Theme">
   <a:themeElements>
